--- a/Yeongrin Jeon PPT.pptx
+++ b/Yeongrin Jeon PPT.pptx
@@ -309,7 +309,7 @@
           <a:p>
             <a:fld id="{426AAA88-D711-4891-B165-A70097C7E387}" type="datetimeFigureOut">
               <a:rPr lang="en-AU" smtClean="0"/>
-              <a:t>14/08/2024</a:t>
+              <a:t>1/09/2024</a:t>
             </a:fld>
             <a:endParaRPr lang="en-AU"/>
           </a:p>
@@ -479,7 +479,7 @@
           <a:p>
             <a:fld id="{426AAA88-D711-4891-B165-A70097C7E387}" type="datetimeFigureOut">
               <a:rPr lang="en-AU" smtClean="0"/>
-              <a:t>14/08/2024</a:t>
+              <a:t>1/09/2024</a:t>
             </a:fld>
             <a:endParaRPr lang="en-AU"/>
           </a:p>
@@ -659,7 +659,7 @@
           <a:p>
             <a:fld id="{426AAA88-D711-4891-B165-A70097C7E387}" type="datetimeFigureOut">
               <a:rPr lang="en-AU" smtClean="0"/>
-              <a:t>14/08/2024</a:t>
+              <a:t>1/09/2024</a:t>
             </a:fld>
             <a:endParaRPr lang="en-AU"/>
           </a:p>
@@ -829,7 +829,7 @@
           <a:p>
             <a:fld id="{426AAA88-D711-4891-B165-A70097C7E387}" type="datetimeFigureOut">
               <a:rPr lang="en-AU" smtClean="0"/>
-              <a:t>14/08/2024</a:t>
+              <a:t>1/09/2024</a:t>
             </a:fld>
             <a:endParaRPr lang="en-AU"/>
           </a:p>
@@ -1075,7 +1075,7 @@
           <a:p>
             <a:fld id="{426AAA88-D711-4891-B165-A70097C7E387}" type="datetimeFigureOut">
               <a:rPr lang="en-AU" smtClean="0"/>
-              <a:t>14/08/2024</a:t>
+              <a:t>1/09/2024</a:t>
             </a:fld>
             <a:endParaRPr lang="en-AU"/>
           </a:p>
@@ -1363,7 +1363,7 @@
           <a:p>
             <a:fld id="{426AAA88-D711-4891-B165-A70097C7E387}" type="datetimeFigureOut">
               <a:rPr lang="en-AU" smtClean="0"/>
-              <a:t>14/08/2024</a:t>
+              <a:t>1/09/2024</a:t>
             </a:fld>
             <a:endParaRPr lang="en-AU"/>
           </a:p>
@@ -1785,7 +1785,7 @@
           <a:p>
             <a:fld id="{426AAA88-D711-4891-B165-A70097C7E387}" type="datetimeFigureOut">
               <a:rPr lang="en-AU" smtClean="0"/>
-              <a:t>14/08/2024</a:t>
+              <a:t>1/09/2024</a:t>
             </a:fld>
             <a:endParaRPr lang="en-AU"/>
           </a:p>
@@ -1903,7 +1903,7 @@
           <a:p>
             <a:fld id="{426AAA88-D711-4891-B165-A70097C7E387}" type="datetimeFigureOut">
               <a:rPr lang="en-AU" smtClean="0"/>
-              <a:t>14/08/2024</a:t>
+              <a:t>1/09/2024</a:t>
             </a:fld>
             <a:endParaRPr lang="en-AU"/>
           </a:p>
@@ -1998,7 +1998,7 @@
           <a:p>
             <a:fld id="{426AAA88-D711-4891-B165-A70097C7E387}" type="datetimeFigureOut">
               <a:rPr lang="en-AU" smtClean="0"/>
-              <a:t>14/08/2024</a:t>
+              <a:t>1/09/2024</a:t>
             </a:fld>
             <a:endParaRPr lang="en-AU"/>
           </a:p>
@@ -2275,7 +2275,7 @@
           <a:p>
             <a:fld id="{426AAA88-D711-4891-B165-A70097C7E387}" type="datetimeFigureOut">
               <a:rPr lang="en-AU" smtClean="0"/>
-              <a:t>14/08/2024</a:t>
+              <a:t>1/09/2024</a:t>
             </a:fld>
             <a:endParaRPr lang="en-AU"/>
           </a:p>
@@ -2528,7 +2528,7 @@
           <a:p>
             <a:fld id="{426AAA88-D711-4891-B165-A70097C7E387}" type="datetimeFigureOut">
               <a:rPr lang="en-AU" smtClean="0"/>
-              <a:t>14/08/2024</a:t>
+              <a:t>1/09/2024</a:t>
             </a:fld>
             <a:endParaRPr lang="en-AU"/>
           </a:p>
@@ -2741,7 +2741,7 @@
           <a:p>
             <a:fld id="{426AAA88-D711-4891-B165-A70097C7E387}" type="datetimeFigureOut">
               <a:rPr lang="en-AU" smtClean="0"/>
-              <a:t>14/08/2024</a:t>
+              <a:t>1/09/2024</a:t>
             </a:fld>
             <a:endParaRPr lang="en-AU"/>
           </a:p>
@@ -3565,7 +3565,7 @@
                   <a:srgbClr val="FFFFFF"/>
                 </a:solidFill>
               </a:rPr>
-              <a:t>!!Emergency!!</a:t>
+              <a:t>Cleaning up! Proposal</a:t>
             </a:r>
           </a:p>
         </p:txBody>
@@ -3859,12 +3859,57 @@
           <a:lstStyle/>
           <a:p>
             <a:r>
-              <a:rPr lang="en-AU" sz="2400">
+              <a:rPr lang="en-AU" sz="2400" dirty="0">
                 <a:solidFill>
                   <a:srgbClr val="FFFFFF"/>
                 </a:solidFill>
+                <a:latin typeface="ADLaM Display" panose="02010000000000000000" pitchFamily="2" charset="0"/>
+                <a:ea typeface="ADLaM Display" panose="02010000000000000000" pitchFamily="2" charset="0"/>
+                <a:cs typeface="ADLaM Display" panose="02010000000000000000" pitchFamily="2" charset="0"/>
               </a:rPr>
-              <a:t>Story/Objective</a:t>
+              <a:t>Story</a:t>
+            </a:r>
+            <a:br>
+              <a:rPr lang="en-AU" sz="2400" dirty="0">
+                <a:solidFill>
+                  <a:srgbClr val="FFFFFF"/>
+                </a:solidFill>
+                <a:latin typeface="ADLaM Display" panose="02010000000000000000" pitchFamily="2" charset="0"/>
+                <a:ea typeface="ADLaM Display" panose="02010000000000000000" pitchFamily="2" charset="0"/>
+                <a:cs typeface="ADLaM Display" panose="02010000000000000000" pitchFamily="2" charset="0"/>
+              </a:rPr>
+            </a:br>
+            <a:r>
+              <a:rPr lang="en-AU" sz="2400" dirty="0">
+                <a:solidFill>
+                  <a:srgbClr val="FFFFFF"/>
+                </a:solidFill>
+                <a:latin typeface="ADLaM Display" panose="02010000000000000000" pitchFamily="2" charset="0"/>
+                <a:ea typeface="ADLaM Display" panose="02010000000000000000" pitchFamily="2" charset="0"/>
+                <a:cs typeface="ADLaM Display" panose="02010000000000000000" pitchFamily="2" charset="0"/>
+              </a:rPr>
+              <a:t>&amp;</a:t>
+            </a:r>
+            <a:br>
+              <a:rPr lang="en-AU" sz="2400" dirty="0">
+                <a:solidFill>
+                  <a:srgbClr val="FFFFFF"/>
+                </a:solidFill>
+                <a:latin typeface="ADLaM Display" panose="02010000000000000000" pitchFamily="2" charset="0"/>
+                <a:ea typeface="ADLaM Display" panose="02010000000000000000" pitchFamily="2" charset="0"/>
+                <a:cs typeface="ADLaM Display" panose="02010000000000000000" pitchFamily="2" charset="0"/>
+              </a:rPr>
+            </a:br>
+            <a:r>
+              <a:rPr lang="en-AU" sz="2400" dirty="0">
+                <a:solidFill>
+                  <a:srgbClr val="FFFFFF"/>
+                </a:solidFill>
+                <a:latin typeface="ADLaM Display" panose="02010000000000000000" pitchFamily="2" charset="0"/>
+                <a:ea typeface="ADLaM Display" panose="02010000000000000000" pitchFamily="2" charset="0"/>
+                <a:cs typeface="ADLaM Display" panose="02010000000000000000" pitchFamily="2" charset="0"/>
+              </a:rPr>
+              <a:t>Objective</a:t>
             </a:r>
           </a:p>
         </p:txBody>
@@ -3948,7 +3993,7 @@
         </p:spPr>
         <p:txBody>
           <a:bodyPr anchor="ctr">
-            <a:normAutofit/>
+            <a:normAutofit lnSpcReduction="10000"/>
           </a:bodyPr>
           <a:lstStyle/>
           <a:p>
@@ -3958,13 +4003,6 @@
               </a:lnSpc>
               <a:buNone/>
             </a:pPr>
-            <a:r>
-              <a:rPr lang="en-AU" sz="2700" dirty="0">
-                <a:latin typeface="+mj-lt"/>
-                <a:cs typeface="AngsanaUPC" panose="020B0502040204020203" pitchFamily="18" charset="-34"/>
-              </a:rPr>
-              <a:t>!!!</a:t>
-            </a:r>
             <a:r>
               <a:rPr lang="en-AU" sz="2700" b="1" dirty="0">
                 <a:latin typeface="+mj-lt"/>
@@ -4010,7 +4048,7 @@
                 <a:latin typeface="+mj-lt"/>
                 <a:cs typeface="AngsanaUPC" panose="020B0502040204020203" pitchFamily="18" charset="-34"/>
               </a:rPr>
-              <a:t>: Move the grid puzzle ground and remove all trash within a limited number of actions! </a:t>
+              <a:t>: Move the grid puzzle ground and remove all trash and monsters within a limited number of actions! </a:t>
             </a:r>
           </a:p>
           <a:p>
@@ -4037,7 +4075,7 @@
                 <a:latin typeface="+mj-lt"/>
                 <a:cs typeface="AngsanaUPC" panose="020B0502040204020203" pitchFamily="18" charset="-34"/>
               </a:rPr>
-              <a:t>Before all the action and movement limits are exhausted…..</a:t>
+              <a:t>Before all the action and movement limits are exhausted, you will die.</a:t>
             </a:r>
           </a:p>
         </p:txBody>
@@ -4163,7 +4201,11 @@
           <a:lstStyle/>
           <a:p>
             <a:r>
-              <a:rPr lang="en-AU" sz="4200"/>
+              <a:rPr lang="en-AU" sz="4200" dirty="0">
+                <a:latin typeface="ADLaM Display" panose="02010000000000000000" pitchFamily="2" charset="0"/>
+                <a:ea typeface="ADLaM Display" panose="02010000000000000000" pitchFamily="2" charset="0"/>
+                <a:cs typeface="ADLaM Display" panose="02010000000000000000" pitchFamily="2" charset="0"/>
+              </a:rPr>
               <a:t>Motif</a:t>
             </a:r>
           </a:p>
@@ -4328,19 +4370,39 @@
           <a:lstStyle/>
           <a:p>
             <a:r>
-              <a:rPr lang="en-AU" sz="1500">
+              <a:rPr lang="en-AU" sz="1800" dirty="0">
                 <a:solidFill>
                   <a:schemeClr val="tx1">
                     <a:alpha val="80000"/>
                   </a:schemeClr>
                 </a:solidFill>
               </a:rPr>
-              <a:t>Mechanic -&gt; “Helltaker”</a:t>
-            </a:r>
-          </a:p>
-          <a:p>
-            <a:r>
-              <a:rPr lang="en-AU" sz="1500">
+              <a:t>Mechanic -&gt; “</a:t>
+            </a:r>
+            <a:r>
+              <a:rPr lang="en-AU" sz="1800" dirty="0" err="1">
+                <a:solidFill>
+                  <a:schemeClr val="tx1">
+                    <a:alpha val="80000"/>
+                  </a:schemeClr>
+                </a:solidFill>
+              </a:rPr>
+              <a:t>Helltaker</a:t>
+            </a:r>
+            <a:r>
+              <a:rPr lang="en-AU" sz="1800" dirty="0">
+                <a:solidFill>
+                  <a:schemeClr val="tx1">
+                    <a:alpha val="80000"/>
+                  </a:schemeClr>
+                </a:solidFill>
+              </a:rPr>
+              <a:t>”</a:t>
+            </a:r>
+          </a:p>
+          <a:p>
+            <a:r>
+              <a:rPr lang="en-AU" sz="1800" dirty="0">
                 <a:solidFill>
                   <a:schemeClr val="tx1">
                     <a:alpha val="80000"/>
@@ -4812,10 +4874,13 @@
               </a:lnSpc>
             </a:pPr>
             <a:r>
-              <a:rPr lang="en-US" sz="3600">
+              <a:rPr lang="en-US" sz="3600" dirty="0">
                 <a:solidFill>
                   <a:srgbClr val="FFFFFF"/>
                 </a:solidFill>
+                <a:latin typeface="ADLaM Display" panose="02010000000000000000" pitchFamily="2" charset="0"/>
+                <a:ea typeface="ADLaM Display" panose="02010000000000000000" pitchFamily="2" charset="0"/>
+                <a:cs typeface="ADLaM Display" panose="02010000000000000000" pitchFamily="2" charset="0"/>
               </a:rPr>
               <a:t>Concept</a:t>
             </a:r>
@@ -5813,8 +5878,8 @@
         </p:nvSpPr>
         <p:spPr>
           <a:xfrm>
-            <a:off x="515125" y="865179"/>
-            <a:ext cx="2400300" cy="3345872"/>
+            <a:off x="323528" y="865179"/>
+            <a:ext cx="2591897" cy="3345872"/>
           </a:xfrm>
         </p:spPr>
         <p:txBody>
@@ -5824,10 +5889,13 @@
           <a:lstStyle/>
           <a:p>
             <a:r>
-              <a:rPr lang="en-AU" sz="3700">
+              <a:rPr lang="en-AU" sz="3700" dirty="0">
                 <a:solidFill>
                   <a:srgbClr val="FFFFFF"/>
                 </a:solidFill>
+                <a:latin typeface="ADLaM Display" panose="02010000000000000000" pitchFamily="2" charset="0"/>
+                <a:ea typeface="ADLaM Display" panose="02010000000000000000" pitchFamily="2" charset="0"/>
+                <a:cs typeface="ADLaM Display" panose="02010000000000000000" pitchFamily="2" charset="0"/>
               </a:rPr>
               <a:t>Mechanics</a:t>
             </a:r>
@@ -5924,7 +5992,7 @@
               <a:buNone/>
             </a:pPr>
             <a:r>
-              <a:rPr lang="en-AU" sz="2500"/>
+              <a:rPr lang="en-AU" sz="2500" dirty="0"/>
               <a:t>There is no health…But!</a:t>
             </a:r>
           </a:p>
@@ -5935,7 +6003,7 @@
               </a:lnSpc>
               <a:buNone/>
             </a:pPr>
-            <a:endParaRPr lang="en-AU" sz="2500"/>
+            <a:endParaRPr lang="en-AU" sz="2500" dirty="0"/>
           </a:p>
           <a:p>
             <a:pPr marL="0" indent="0">
@@ -5945,8 +6013,12 @@
               <a:buNone/>
             </a:pPr>
             <a:r>
-              <a:rPr lang="en-AU" sz="2500"/>
-              <a:t>Movement limit: When you move one space at a time, one will be exhausted. If you use up all these limit, you die on the field!</a:t>
+              <a:rPr lang="en-AU" sz="2500" b="1" dirty="0"/>
+              <a:t>Movement limit</a:t>
+            </a:r>
+            <a:r>
+              <a:rPr lang="en-AU" sz="2500" dirty="0"/>
+              <a:t>: When you move one space at a time, one will be exhausted. If you use up all these limit, you die on the field!</a:t>
             </a:r>
           </a:p>
           <a:p>
@@ -5956,7 +6028,7 @@
               </a:lnSpc>
               <a:buNone/>
             </a:pPr>
-            <a:endParaRPr lang="en-AU" sz="2500"/>
+            <a:endParaRPr lang="en-AU" sz="2500" dirty="0"/>
           </a:p>
           <a:p>
             <a:pPr marL="0" indent="0">
@@ -5966,8 +6038,12 @@
               <a:buNone/>
             </a:pPr>
             <a:r>
-              <a:rPr lang="en-AU" sz="2500"/>
-              <a:t>Action limit: When you attack one enemy at a time, one will be exhausted. If you use up all these times, you are killed by enemies!</a:t>
+              <a:rPr lang="en-AU" sz="2500" b="1" dirty="0"/>
+              <a:t>Action limit</a:t>
+            </a:r>
+            <a:r>
+              <a:rPr lang="en-AU" sz="2500" dirty="0"/>
+              <a:t>: When you attack one enemy at a time, one will be exhausted. If you use up all these times, you are killed by enemies!</a:t>
             </a:r>
           </a:p>
           <a:p>
@@ -5976,7 +6052,7 @@
                 <a:spcPct val="90000"/>
               </a:lnSpc>
             </a:pPr>
-            <a:endParaRPr lang="en-AU" sz="2500"/>
+            <a:endParaRPr lang="en-AU" sz="2500" dirty="0"/>
           </a:p>
         </p:txBody>
       </p:sp>
@@ -6224,8 +6300,8 @@
         </p:nvSpPr>
         <p:spPr>
           <a:xfrm>
-            <a:off x="515125" y="865179"/>
-            <a:ext cx="2400300" cy="3345872"/>
+            <a:off x="179512" y="865179"/>
+            <a:ext cx="2735913" cy="3345872"/>
           </a:xfrm>
         </p:spPr>
         <p:txBody>
@@ -6235,10 +6311,13 @@
           <a:lstStyle/>
           <a:p>
             <a:r>
-              <a:rPr lang="en-AU">
+              <a:rPr lang="en-AU" dirty="0">
                 <a:solidFill>
                   <a:srgbClr val="FFFFFF"/>
                 </a:solidFill>
+                <a:latin typeface="ADLaM Display" panose="02010000000000000000" pitchFamily="2" charset="0"/>
+                <a:ea typeface="ADLaM Display" panose="02010000000000000000" pitchFamily="2" charset="0"/>
+                <a:cs typeface="ADLaM Display" panose="02010000000000000000" pitchFamily="2" charset="0"/>
               </a:rPr>
               <a:t>Controls</a:t>
             </a:r>
@@ -6332,8 +6411,17 @@
               <a:buNone/>
             </a:pPr>
             <a:r>
-              <a:rPr lang="en-AU" dirty="0"/>
-              <a:t>Direction key: Can move left, right, up and down</a:t>
+              <a:rPr lang="en-AU" b="1" dirty="0"/>
+              <a:t>Direction key</a:t>
+            </a:r>
+          </a:p>
+          <a:p>
+            <a:pPr marL="0" indent="0">
+              <a:buNone/>
+            </a:pPr>
+            <a:r>
+              <a:rPr lang="en-AU" sz="2800" dirty="0"/>
+              <a:t>&gt; Can move left, right, up and down</a:t>
             </a:r>
           </a:p>
           <a:p>
@@ -6347,9 +6435,60 @@
               <a:buNone/>
             </a:pPr>
             <a:r>
-              <a:rPr lang="en-AU" dirty="0"/>
-              <a:t>Z: Attack the enemies</a:t>
-            </a:r>
+              <a:rPr lang="en-AU" b="1" dirty="0"/>
+              <a:t>Z key</a:t>
+            </a:r>
+          </a:p>
+          <a:p>
+            <a:pPr marL="0" indent="0">
+              <a:buNone/>
+            </a:pPr>
+            <a:r>
+              <a:rPr lang="en-AU" sz="2800" dirty="0"/>
+              <a:t>&gt; Attack the enemies. </a:t>
+            </a:r>
+          </a:p>
+          <a:p>
+            <a:pPr marL="0" indent="0">
+              <a:buNone/>
+            </a:pPr>
+            <a:r>
+              <a:rPr lang="en-US" sz="2800" dirty="0"/>
+              <a:t>Press</a:t>
+            </a:r>
+            <a:r>
+              <a:rPr lang="ko-KR" altLang="en-US" sz="2800" dirty="0"/>
+              <a:t> </a:t>
+            </a:r>
+            <a:r>
+              <a:rPr lang="en-US" altLang="ko-KR" sz="2800" dirty="0"/>
+              <a:t>the</a:t>
+            </a:r>
+            <a:r>
+              <a:rPr lang="ko-KR" altLang="en-US" sz="2800" dirty="0"/>
+              <a:t> </a:t>
+            </a:r>
+            <a:r>
+              <a:rPr lang="en-US" altLang="ko-KR" sz="2800" dirty="0"/>
+              <a:t>Z</a:t>
+            </a:r>
+            <a:r>
+              <a:rPr lang="ko-KR" altLang="en-US" sz="2800" dirty="0"/>
+              <a:t> </a:t>
+            </a:r>
+            <a:r>
+              <a:rPr lang="en-US" altLang="ko-KR" sz="2800" dirty="0"/>
+              <a:t>key</a:t>
+            </a:r>
+            <a:r>
+              <a:rPr lang="ko-KR" altLang="en-US" sz="2800" dirty="0"/>
+              <a:t> </a:t>
+            </a:r>
+            <a:r>
+              <a:rPr lang="en-US" altLang="ko-KR" sz="2800" dirty="0"/>
+              <a:t>while holding down the arrow key!&lt;</a:t>
+            </a:r>
+            <a:endParaRPr lang="en-AU" sz="2800" dirty="0"/>
           </a:p>
         </p:txBody>
       </p:sp>
@@ -6661,6 +6800,17 @@
 </file>
 
 <file path=customXml/item2.xml><?xml version="1.0" encoding="utf-8"?>
+<p:properties xmlns:p="http://schemas.microsoft.com/office/2006/metadata/properties" xmlns:xsi="http://www.w3.org/2001/XMLSchema-instance" xmlns:pc="http://schemas.microsoft.com/office/infopath/2007/PartnerControls">
+  <documentManagement>
+    <TaxCatchAll xmlns="c2062536-d537-4933-9a68-111b11088bac" xsi:nil="true"/>
+    <lcf76f155ced4ddcb4097134ff3c332f xmlns="aabe51d3-f54d-4fdd-9fcd-70ffe0d760de">
+      <Terms xmlns="http://schemas.microsoft.com/office/infopath/2007/PartnerControls"/>
+    </lcf76f155ced4ddcb4097134ff3c332f>
+  </documentManagement>
+</p:properties>
+</file>
+
+<file path=customXml/item3.xml><?xml version="1.0" encoding="utf-8"?>
 <ct:contentTypeSchema xmlns:ct="http://schemas.microsoft.com/office/2006/metadata/contentType" xmlns:ma="http://schemas.microsoft.com/office/2006/metadata/properties/metaAttributes" ct:_="" ma:_="" ma:contentTypeName="Document" ma:contentTypeID="0x010100A5A66FD54D20CA4E9AC02DD318E94D49" ma:contentTypeVersion="18" ma:contentTypeDescription="Create a new document." ma:contentTypeScope="" ma:versionID="8da9c85c85013924f2fe133811baac30">
   <xsd:schema xmlns:xsd="http://www.w3.org/2001/XMLSchema" xmlns:xs="http://www.w3.org/2001/XMLSchema" xmlns:p="http://schemas.microsoft.com/office/2006/metadata/properties" xmlns:ns2="aabe51d3-f54d-4fdd-9fcd-70ffe0d760de" xmlns:ns3="c2062536-d537-4933-9a68-111b11088bac" targetNamespace="http://schemas.microsoft.com/office/2006/metadata/properties" ma:root="true" ma:fieldsID="c659480733ca35d2820fd858e0be32e8" ns2:_="" ns3:_="">
     <xsd:import namespace="aabe51d3-f54d-4fdd-9fcd-70ffe0d760de"/>
@@ -6915,17 +7065,6 @@
 </ct:contentTypeSchema>
 </file>
 
-<file path=customXml/item3.xml><?xml version="1.0" encoding="utf-8"?>
-<p:properties xmlns:p="http://schemas.microsoft.com/office/2006/metadata/properties" xmlns:xsi="http://www.w3.org/2001/XMLSchema-instance" xmlns:pc="http://schemas.microsoft.com/office/infopath/2007/PartnerControls">
-  <documentManagement>
-    <TaxCatchAll xmlns="c2062536-d537-4933-9a68-111b11088bac" xsi:nil="true"/>
-    <lcf76f155ced4ddcb4097134ff3c332f xmlns="aabe51d3-f54d-4fdd-9fcd-70ffe0d760de">
-      <Terms xmlns="http://schemas.microsoft.com/office/infopath/2007/PartnerControls"/>
-    </lcf76f155ced4ddcb4097134ff3c332f>
-  </documentManagement>
-</p:properties>
-</file>
-
 <file path=customXml/itemProps1.xml><?xml version="1.0" encoding="utf-8"?>
 <ds:datastoreItem xmlns:ds="http://schemas.openxmlformats.org/officeDocument/2006/customXml" ds:itemID="{1AA451AB-DB99-4CE2-88C9-802C4B0FBAEE}">
   <ds:schemaRefs>
@@ -6935,6 +7074,17 @@
 </file>
 
 <file path=customXml/itemProps2.xml><?xml version="1.0" encoding="utf-8"?>
+<ds:datastoreItem xmlns:ds="http://schemas.openxmlformats.org/officeDocument/2006/customXml" ds:itemID="{F609B18D-2022-4876-9123-83DCB7921755}">
+  <ds:schemaRefs>
+    <ds:schemaRef ds:uri="http://schemas.microsoft.com/office/2006/metadata/properties"/>
+    <ds:schemaRef ds:uri="http://schemas.microsoft.com/office/infopath/2007/PartnerControls"/>
+    <ds:schemaRef ds:uri="c2062536-d537-4933-9a68-111b11088bac"/>
+    <ds:schemaRef ds:uri="aabe51d3-f54d-4fdd-9fcd-70ffe0d760de"/>
+  </ds:schemaRefs>
+</ds:datastoreItem>
+</file>
+
+<file path=customXml/itemProps3.xml><?xml version="1.0" encoding="utf-8"?>
 <ds:datastoreItem xmlns:ds="http://schemas.openxmlformats.org/officeDocument/2006/customXml" ds:itemID="{ADD15E44-FBCD-48C2-A1E8-CD4C5C8585B4}">
   <ds:schemaRefs>
     <ds:schemaRef ds:uri="http://schemas.microsoft.com/office/2006/metadata/contentType"/>
@@ -6951,15 +7101,4 @@
     <ds:schemaRef ds:uri="http://schemas.microsoft.com/internal/obd"/>
   </ds:schemaRefs>
 </ds:datastoreItem>
-</file>
-
-<file path=customXml/itemProps3.xml><?xml version="1.0" encoding="utf-8"?>
-<ds:datastoreItem xmlns:ds="http://schemas.openxmlformats.org/officeDocument/2006/customXml" ds:itemID="{F609B18D-2022-4876-9123-83DCB7921755}">
-  <ds:schemaRefs>
-    <ds:schemaRef ds:uri="http://schemas.microsoft.com/office/2006/metadata/properties"/>
-    <ds:schemaRef ds:uri="http://schemas.microsoft.com/office/infopath/2007/PartnerControls"/>
-    <ds:schemaRef ds:uri="c2062536-d537-4933-9a68-111b11088bac"/>
-    <ds:schemaRef ds:uri="aabe51d3-f54d-4fdd-9fcd-70ffe0d760de"/>
-  </ds:schemaRefs>
-</ds:datastoreItem>
 </file>